--- a/COMP396/Presentation.pptx
+++ b/COMP396/Presentation.pptx
@@ -8,7 +8,7 @@
     <p:sldId id="256" r:id="rId3"/>
     <p:sldId id="259" r:id="rId4"/>
     <p:sldId id="260" r:id="rId5"/>
-    <p:sldId id="265" r:id="rId6"/>
+    <p:sldId id="294" r:id="rId6"/>
     <p:sldId id="261" r:id="rId7"/>
     <p:sldId id="270" r:id="rId8"/>
     <p:sldId id="266" r:id="rId9"/>
@@ -2180,6 +2180,41 @@
           </p:txBody>
         </p:sp>
       </p:grpSp>
+      <p:sp>
+        <p:nvSpPr>
+          <p:cNvPr id="3" name="文本框 2"/>
+          <p:cNvSpPr txBox="1"/>
+          <p:nvPr/>
+        </p:nvSpPr>
+        <p:spPr>
+          <a:xfrm>
+            <a:off x="11433175" y="6311900"/>
+            <a:ext cx="605790" cy="275590"/>
+          </a:xfrm>
+          <a:prstGeom prst="rect">
+            <a:avLst/>
+          </a:prstGeom>
+          <a:noFill/>
+        </p:spPr>
+        <p:txBody>
+          <a:bodyPr wrap="square" rtlCol="0">
+            <a:spAutoFit/>
+          </a:bodyPr>
+          <a:p>
+            <a:r>
+              <a:rPr lang="en-US" altLang="zh-CN" sz="1200">
+                <a:latin typeface="+mj-ea"/>
+                <a:ea typeface="+mj-ea"/>
+              </a:rPr>
+              <a:t>1</a:t>
+            </a:r>
+            <a:endParaRPr lang="en-US" altLang="zh-CN" sz="1200">
+              <a:latin typeface="+mj-ea"/>
+              <a:ea typeface="+mj-ea"/>
+            </a:endParaRPr>
+          </a:p>
+        </p:txBody>
+      </p:sp>
     </p:spTree>
   </p:cSld>
   <p:clrMapOvr>
@@ -2468,6 +2503,41 @@
           </a:prstGeom>
         </p:spPr>
       </p:pic>
+      <p:sp>
+        <p:nvSpPr>
+          <p:cNvPr id="5" name="文本框 4"/>
+          <p:cNvSpPr txBox="1"/>
+          <p:nvPr/>
+        </p:nvSpPr>
+        <p:spPr>
+          <a:xfrm>
+            <a:off x="11433175" y="6311900"/>
+            <a:ext cx="605790" cy="275590"/>
+          </a:xfrm>
+          <a:prstGeom prst="rect">
+            <a:avLst/>
+          </a:prstGeom>
+          <a:noFill/>
+        </p:spPr>
+        <p:txBody>
+          <a:bodyPr wrap="square" rtlCol="0">
+            <a:spAutoFit/>
+          </a:bodyPr>
+          <a:p>
+            <a:r>
+              <a:rPr lang="en-US" altLang="zh-CN" sz="1200">
+                <a:latin typeface="+mj-ea"/>
+                <a:ea typeface="+mj-ea"/>
+              </a:rPr>
+              <a:t>10</a:t>
+            </a:r>
+            <a:endParaRPr lang="en-US" altLang="zh-CN" sz="1200">
+              <a:latin typeface="+mj-ea"/>
+              <a:ea typeface="+mj-ea"/>
+            </a:endParaRPr>
+          </a:p>
+        </p:txBody>
+      </p:sp>
     </p:spTree>
   </p:cSld>
   <p:clrMapOvr>
@@ -2832,6 +2902,41 @@
           </a:prstGeom>
         </p:spPr>
       </p:pic>
+      <p:sp>
+        <p:nvSpPr>
+          <p:cNvPr id="5" name="文本框 4"/>
+          <p:cNvSpPr txBox="1"/>
+          <p:nvPr/>
+        </p:nvSpPr>
+        <p:spPr>
+          <a:xfrm>
+            <a:off x="11433175" y="6311900"/>
+            <a:ext cx="605790" cy="275590"/>
+          </a:xfrm>
+          <a:prstGeom prst="rect">
+            <a:avLst/>
+          </a:prstGeom>
+          <a:noFill/>
+        </p:spPr>
+        <p:txBody>
+          <a:bodyPr wrap="square" rtlCol="0">
+            <a:spAutoFit/>
+          </a:bodyPr>
+          <a:p>
+            <a:r>
+              <a:rPr lang="en-US" altLang="zh-CN" sz="1200">
+                <a:latin typeface="+mj-ea"/>
+                <a:ea typeface="+mj-ea"/>
+              </a:rPr>
+              <a:t>11</a:t>
+            </a:r>
+            <a:endParaRPr lang="en-US" altLang="zh-CN" sz="1200">
+              <a:latin typeface="+mj-ea"/>
+              <a:ea typeface="+mj-ea"/>
+            </a:endParaRPr>
+          </a:p>
+        </p:txBody>
+      </p:sp>
     </p:spTree>
   </p:cSld>
   <p:clrMapOvr>
@@ -3196,6 +3301,41 @@
           </a:prstGeom>
         </p:spPr>
       </p:pic>
+      <p:sp>
+        <p:nvSpPr>
+          <p:cNvPr id="5" name="文本框 4"/>
+          <p:cNvSpPr txBox="1"/>
+          <p:nvPr/>
+        </p:nvSpPr>
+        <p:spPr>
+          <a:xfrm>
+            <a:off x="11433175" y="6311900"/>
+            <a:ext cx="605790" cy="275590"/>
+          </a:xfrm>
+          <a:prstGeom prst="rect">
+            <a:avLst/>
+          </a:prstGeom>
+          <a:noFill/>
+        </p:spPr>
+        <p:txBody>
+          <a:bodyPr wrap="square" rtlCol="0">
+            <a:spAutoFit/>
+          </a:bodyPr>
+          <a:p>
+            <a:r>
+              <a:rPr lang="en-US" altLang="zh-CN" sz="1200">
+                <a:latin typeface="+mj-ea"/>
+                <a:ea typeface="+mj-ea"/>
+              </a:rPr>
+              <a:t>12</a:t>
+            </a:r>
+            <a:endParaRPr lang="en-US" altLang="zh-CN" sz="1200">
+              <a:latin typeface="+mj-ea"/>
+              <a:ea typeface="+mj-ea"/>
+            </a:endParaRPr>
+          </a:p>
+        </p:txBody>
+      </p:sp>
     </p:spTree>
   </p:cSld>
   <p:clrMapOvr>
@@ -6498,6 +6638,41 @@
           </a:prstGeom>
         </p:spPr>
       </p:pic>
+      <p:sp>
+        <p:nvSpPr>
+          <p:cNvPr id="6" name="文本框 5"/>
+          <p:cNvSpPr txBox="1"/>
+          <p:nvPr/>
+        </p:nvSpPr>
+        <p:spPr>
+          <a:xfrm>
+            <a:off x="11433175" y="6311900"/>
+            <a:ext cx="605790" cy="275590"/>
+          </a:xfrm>
+          <a:prstGeom prst="rect">
+            <a:avLst/>
+          </a:prstGeom>
+          <a:noFill/>
+        </p:spPr>
+        <p:txBody>
+          <a:bodyPr wrap="square" rtlCol="0">
+            <a:spAutoFit/>
+          </a:bodyPr>
+          <a:p>
+            <a:r>
+              <a:rPr lang="en-US" altLang="zh-CN" sz="1200">
+                <a:latin typeface="+mj-ea"/>
+                <a:ea typeface="+mj-ea"/>
+              </a:rPr>
+              <a:t>13</a:t>
+            </a:r>
+            <a:endParaRPr lang="en-US" altLang="zh-CN" sz="1200">
+              <a:latin typeface="+mj-ea"/>
+              <a:ea typeface="+mj-ea"/>
+            </a:endParaRPr>
+          </a:p>
+        </p:txBody>
+      </p:sp>
     </p:spTree>
   </p:cSld>
   <p:clrMapOvr>
@@ -6644,6 +6819,41 @@
           </a:fontRef>
         </p:style>
       </p:cxnSp>
+      <p:sp>
+        <p:nvSpPr>
+          <p:cNvPr id="4" name="文本框 3"/>
+          <p:cNvSpPr txBox="1"/>
+          <p:nvPr/>
+        </p:nvSpPr>
+        <p:spPr>
+          <a:xfrm>
+            <a:off x="11433175" y="6311900"/>
+            <a:ext cx="605790" cy="275590"/>
+          </a:xfrm>
+          <a:prstGeom prst="rect">
+            <a:avLst/>
+          </a:prstGeom>
+          <a:noFill/>
+        </p:spPr>
+        <p:txBody>
+          <a:bodyPr wrap="square" rtlCol="0">
+            <a:spAutoFit/>
+          </a:bodyPr>
+          <a:p>
+            <a:r>
+              <a:rPr lang="en-US" altLang="zh-CN" sz="1200">
+                <a:latin typeface="+mj-ea"/>
+                <a:ea typeface="+mj-ea"/>
+              </a:rPr>
+              <a:t>14</a:t>
+            </a:r>
+            <a:endParaRPr lang="en-US" altLang="zh-CN" sz="1200">
+              <a:latin typeface="+mj-ea"/>
+              <a:ea typeface="+mj-ea"/>
+            </a:endParaRPr>
+          </a:p>
+        </p:txBody>
+      </p:sp>
     </p:spTree>
   </p:cSld>
   <p:clrMapOvr>
@@ -7187,6 +7397,41 @@
           </a:p>
         </p:txBody>
       </p:sp>
+      <p:sp>
+        <p:nvSpPr>
+          <p:cNvPr id="6" name="文本框 5"/>
+          <p:cNvSpPr txBox="1"/>
+          <p:nvPr/>
+        </p:nvSpPr>
+        <p:spPr>
+          <a:xfrm>
+            <a:off x="11433175" y="6311900"/>
+            <a:ext cx="605790" cy="275590"/>
+          </a:xfrm>
+          <a:prstGeom prst="rect">
+            <a:avLst/>
+          </a:prstGeom>
+          <a:noFill/>
+        </p:spPr>
+        <p:txBody>
+          <a:bodyPr wrap="square" rtlCol="0">
+            <a:spAutoFit/>
+          </a:bodyPr>
+          <a:p>
+            <a:r>
+              <a:rPr lang="en-US" altLang="zh-CN" sz="1200">
+                <a:latin typeface="+mj-ea"/>
+                <a:ea typeface="+mj-ea"/>
+              </a:rPr>
+              <a:t>15</a:t>
+            </a:r>
+            <a:endParaRPr lang="en-US" altLang="zh-CN" sz="1200">
+              <a:latin typeface="+mj-ea"/>
+              <a:ea typeface="+mj-ea"/>
+            </a:endParaRPr>
+          </a:p>
+        </p:txBody>
+      </p:sp>
     </p:spTree>
   </p:cSld>
   <p:clrMapOvr>
@@ -7333,6 +7578,41 @@
           </a:fontRef>
         </p:style>
       </p:cxnSp>
+      <p:sp>
+        <p:nvSpPr>
+          <p:cNvPr id="4" name="文本框 3"/>
+          <p:cNvSpPr txBox="1"/>
+          <p:nvPr/>
+        </p:nvSpPr>
+        <p:spPr>
+          <a:xfrm>
+            <a:off x="11433175" y="6311900"/>
+            <a:ext cx="605790" cy="275590"/>
+          </a:xfrm>
+          <a:prstGeom prst="rect">
+            <a:avLst/>
+          </a:prstGeom>
+          <a:noFill/>
+        </p:spPr>
+        <p:txBody>
+          <a:bodyPr wrap="square" rtlCol="0">
+            <a:spAutoFit/>
+          </a:bodyPr>
+          <a:p>
+            <a:r>
+              <a:rPr lang="en-US" altLang="zh-CN" sz="1200">
+                <a:latin typeface="+mj-ea"/>
+                <a:ea typeface="+mj-ea"/>
+              </a:rPr>
+              <a:t>16</a:t>
+            </a:r>
+            <a:endParaRPr lang="en-US" altLang="zh-CN" sz="1200">
+              <a:latin typeface="+mj-ea"/>
+              <a:ea typeface="+mj-ea"/>
+            </a:endParaRPr>
+          </a:p>
+        </p:txBody>
+      </p:sp>
     </p:spTree>
   </p:cSld>
   <p:clrMapOvr>
@@ -7850,71 +8130,6 @@
             </a:p>
           </p:txBody>
         </p:sp>
-        <p:sp useBgFill="1">
-          <p:nvSpPr>
-            <p:cNvPr id="53" name="矩形 52"/>
-            <p:cNvSpPr/>
-            <p:nvPr/>
-          </p:nvSpPr>
-          <p:spPr>
-            <a:xfrm>
-              <a:off x="1956824" y="2316423"/>
-              <a:ext cx="2922270" cy="275590"/>
-            </a:xfrm>
-            <a:prstGeom prst="rect">
-              <a:avLst/>
-            </a:prstGeom>
-          </p:spPr>
-          <p:txBody>
-            <a:bodyPr wrap="none">
-              <a:spAutoFit/>
-            </a:bodyPr>
-            <a:lstStyle/>
-            <a:p>
-              <a:pPr lvl="0" algn="ctr"/>
-              <a:r>
-                <a:rPr lang="en-US" altLang="zh-CN" sz="1200" dirty="0">
-                  <a:latin typeface="微软雅黑" panose="020B0503020204020204" pitchFamily="34" charset="-122"/>
-                  <a:ea typeface="微软雅黑" panose="020B0503020204020204" pitchFamily="34" charset="-122"/>
-                </a:rPr>
-                <a:t> </a:t>
-              </a:r>
-              <a:r>
-                <a:rPr lang="en-US" altLang="zh-CN" sz="1200" dirty="0" smtClean="0">
-                  <a:latin typeface="微软雅黑" panose="020B0503020204020204" pitchFamily="34" charset="-122"/>
-                  <a:ea typeface="微软雅黑" panose="020B0503020204020204" pitchFamily="34" charset="-122"/>
-                  <a:cs typeface="微软雅黑" panose="020B0503020204020204" pitchFamily="34" charset="-122"/>
-                </a:rPr>
-                <a:t>Thank </a:t>
-              </a:r>
-              <a:r>
-                <a:rPr lang="en-US" altLang="zh-CN" sz="1200" dirty="0">
-                  <a:latin typeface="微软雅黑" panose="020B0503020204020204" pitchFamily="34" charset="-122"/>
-                  <a:ea typeface="微软雅黑" panose="020B0503020204020204" pitchFamily="34" charset="-122"/>
-                  <a:cs typeface="微软雅黑" panose="020B0503020204020204" pitchFamily="34" charset="-122"/>
-                </a:rPr>
-                <a:t>you  for </a:t>
-              </a:r>
-              <a:r>
-                <a:rPr lang="en-US" altLang="zh-CN" sz="1200" dirty="0" smtClean="0"/>
-                <a:t>cultivation</a:t>
-              </a:r>
-              <a:r>
-                <a:rPr lang="en-US" altLang="zh-CN" sz="1200" dirty="0" smtClean="0">
-                  <a:latin typeface="微软雅黑" panose="020B0503020204020204" pitchFamily="34" charset="-122"/>
-                  <a:ea typeface="微软雅黑" panose="020B0503020204020204" pitchFamily="34" charset="-122"/>
-                  <a:cs typeface="微软雅黑" panose="020B0503020204020204" pitchFamily="34" charset="-122"/>
-                </a:rPr>
-                <a:t> of Professor</a:t>
-              </a:r>
-              <a:endParaRPr lang="zh-CN" altLang="en-US" sz="1200" dirty="0">
-                <a:latin typeface="微软雅黑" panose="020B0503020204020204" pitchFamily="34" charset="-122"/>
-                <a:ea typeface="微软雅黑" panose="020B0503020204020204" pitchFamily="34" charset="-122"/>
-                <a:cs typeface="微软雅黑" panose="020B0503020204020204" pitchFamily="34" charset="-122"/>
-              </a:endParaRPr>
-            </a:p>
-          </p:txBody>
-        </p:sp>
         <p:cxnSp>
           <p:nvCxnSpPr>
             <p:cNvPr id="8" name="直接连接符 7"/>
@@ -8915,6 +9130,41 @@
           </p:sp>
         </p:grpSp>
       </p:grpSp>
+      <p:sp>
+        <p:nvSpPr>
+          <p:cNvPr id="4" name="文本框 3"/>
+          <p:cNvSpPr txBox="1"/>
+          <p:nvPr/>
+        </p:nvSpPr>
+        <p:spPr>
+          <a:xfrm>
+            <a:off x="11433175" y="6311900"/>
+            <a:ext cx="605790" cy="275590"/>
+          </a:xfrm>
+          <a:prstGeom prst="rect">
+            <a:avLst/>
+          </a:prstGeom>
+          <a:noFill/>
+        </p:spPr>
+        <p:txBody>
+          <a:bodyPr wrap="square" rtlCol="0">
+            <a:spAutoFit/>
+          </a:bodyPr>
+          <a:p>
+            <a:r>
+              <a:rPr lang="en-US" altLang="zh-CN" sz="1200">
+                <a:latin typeface="+mj-ea"/>
+                <a:ea typeface="+mj-ea"/>
+              </a:rPr>
+              <a:t>17</a:t>
+            </a:r>
+            <a:endParaRPr lang="en-US" altLang="zh-CN" sz="1200">
+              <a:latin typeface="+mj-ea"/>
+              <a:ea typeface="+mj-ea"/>
+            </a:endParaRPr>
+          </a:p>
+        </p:txBody>
+      </p:sp>
     </p:spTree>
   </p:cSld>
   <p:clrMapOvr>
@@ -10782,6 +11032,41 @@
           </p:txBody>
         </p:sp>
       </p:grpSp>
+      <p:sp>
+        <p:nvSpPr>
+          <p:cNvPr id="3" name="文本框 2"/>
+          <p:cNvSpPr txBox="1"/>
+          <p:nvPr/>
+        </p:nvSpPr>
+        <p:spPr>
+          <a:xfrm>
+            <a:off x="11433175" y="6311900"/>
+            <a:ext cx="605790" cy="275590"/>
+          </a:xfrm>
+          <a:prstGeom prst="rect">
+            <a:avLst/>
+          </a:prstGeom>
+          <a:noFill/>
+        </p:spPr>
+        <p:txBody>
+          <a:bodyPr wrap="square" rtlCol="0">
+            <a:spAutoFit/>
+          </a:bodyPr>
+          <a:p>
+            <a:r>
+              <a:rPr lang="en-US" altLang="zh-CN" sz="1200">
+                <a:latin typeface="+mj-ea"/>
+                <a:ea typeface="+mj-ea"/>
+              </a:rPr>
+              <a:t>2</a:t>
+            </a:r>
+            <a:endParaRPr lang="en-US" altLang="zh-CN" sz="1200">
+              <a:latin typeface="+mj-ea"/>
+              <a:ea typeface="+mj-ea"/>
+            </a:endParaRPr>
+          </a:p>
+        </p:txBody>
+      </p:sp>
     </p:spTree>
   </p:cSld>
   <p:clrMapOvr>
@@ -10929,6 +11214,41 @@
           </a:fontRef>
         </p:style>
       </p:cxnSp>
+      <p:sp>
+        <p:nvSpPr>
+          <p:cNvPr id="3" name="文本框 2"/>
+          <p:cNvSpPr txBox="1"/>
+          <p:nvPr/>
+        </p:nvSpPr>
+        <p:spPr>
+          <a:xfrm>
+            <a:off x="11433175" y="6311900"/>
+            <a:ext cx="605790" cy="275590"/>
+          </a:xfrm>
+          <a:prstGeom prst="rect">
+            <a:avLst/>
+          </a:prstGeom>
+          <a:noFill/>
+        </p:spPr>
+        <p:txBody>
+          <a:bodyPr wrap="square" rtlCol="0">
+            <a:spAutoFit/>
+          </a:bodyPr>
+          <a:p>
+            <a:r>
+              <a:rPr lang="en-US" altLang="zh-CN" sz="1200">
+                <a:latin typeface="+mj-ea"/>
+                <a:ea typeface="+mj-ea"/>
+              </a:rPr>
+              <a:t>3</a:t>
+            </a:r>
+            <a:endParaRPr lang="en-US" altLang="zh-CN" sz="1200">
+              <a:latin typeface="+mj-ea"/>
+              <a:ea typeface="+mj-ea"/>
+            </a:endParaRPr>
+          </a:p>
+        </p:txBody>
+      </p:sp>
     </p:spTree>
   </p:cSld>
   <p:clrMapOvr>
@@ -15687,6 +16007,41 @@
           </p:sp>
         </p:grpSp>
       </p:grpSp>
+      <p:sp>
+        <p:nvSpPr>
+          <p:cNvPr id="4" name="文本框 3"/>
+          <p:cNvSpPr txBox="1"/>
+          <p:nvPr/>
+        </p:nvSpPr>
+        <p:spPr>
+          <a:xfrm>
+            <a:off x="11433175" y="6311900"/>
+            <a:ext cx="605790" cy="275590"/>
+          </a:xfrm>
+          <a:prstGeom prst="rect">
+            <a:avLst/>
+          </a:prstGeom>
+          <a:noFill/>
+        </p:spPr>
+        <p:txBody>
+          <a:bodyPr wrap="square" rtlCol="0">
+            <a:spAutoFit/>
+          </a:bodyPr>
+          <a:p>
+            <a:r>
+              <a:rPr lang="en-US" altLang="zh-CN" sz="1200">
+                <a:latin typeface="+mj-ea"/>
+                <a:ea typeface="+mj-ea"/>
+              </a:rPr>
+              <a:t>4</a:t>
+            </a:r>
+            <a:endParaRPr lang="en-US" altLang="zh-CN" sz="1200">
+              <a:latin typeface="+mj-ea"/>
+              <a:ea typeface="+mj-ea"/>
+            </a:endParaRPr>
+          </a:p>
+        </p:txBody>
+      </p:sp>
     </p:spTree>
   </p:cSld>
   <p:clrMapOvr>
@@ -15833,6 +16188,41 @@
           </a:fontRef>
         </p:style>
       </p:cxnSp>
+      <p:sp>
+        <p:nvSpPr>
+          <p:cNvPr id="4" name="文本框 3"/>
+          <p:cNvSpPr txBox="1"/>
+          <p:nvPr/>
+        </p:nvSpPr>
+        <p:spPr>
+          <a:xfrm>
+            <a:off x="11433175" y="6311900"/>
+            <a:ext cx="605790" cy="275590"/>
+          </a:xfrm>
+          <a:prstGeom prst="rect">
+            <a:avLst/>
+          </a:prstGeom>
+          <a:noFill/>
+        </p:spPr>
+        <p:txBody>
+          <a:bodyPr wrap="square" rtlCol="0">
+            <a:spAutoFit/>
+          </a:bodyPr>
+          <a:p>
+            <a:r>
+              <a:rPr lang="en-US" altLang="zh-CN" sz="1200">
+                <a:latin typeface="+mj-ea"/>
+                <a:ea typeface="+mj-ea"/>
+              </a:rPr>
+              <a:t>5</a:t>
+            </a:r>
+            <a:endParaRPr lang="en-US" altLang="zh-CN" sz="1200">
+              <a:latin typeface="+mj-ea"/>
+              <a:ea typeface="+mj-ea"/>
+            </a:endParaRPr>
+          </a:p>
+        </p:txBody>
+      </p:sp>
     </p:spTree>
   </p:cSld>
   <p:clrMapOvr>
@@ -19864,6 +20254,41 @@
           </p:txBody>
         </p:sp>
       </p:grpSp>
+      <p:sp>
+        <p:nvSpPr>
+          <p:cNvPr id="4" name="文本框 3"/>
+          <p:cNvSpPr txBox="1"/>
+          <p:nvPr/>
+        </p:nvSpPr>
+        <p:spPr>
+          <a:xfrm>
+            <a:off x="11433175" y="6311900"/>
+            <a:ext cx="605790" cy="275590"/>
+          </a:xfrm>
+          <a:prstGeom prst="rect">
+            <a:avLst/>
+          </a:prstGeom>
+          <a:noFill/>
+        </p:spPr>
+        <p:txBody>
+          <a:bodyPr wrap="square" rtlCol="0">
+            <a:spAutoFit/>
+          </a:bodyPr>
+          <a:p>
+            <a:r>
+              <a:rPr lang="en-US" altLang="zh-CN" sz="1200">
+                <a:latin typeface="+mj-ea"/>
+                <a:ea typeface="+mj-ea"/>
+              </a:rPr>
+              <a:t>6</a:t>
+            </a:r>
+            <a:endParaRPr lang="en-US" altLang="zh-CN" sz="1200">
+              <a:latin typeface="+mj-ea"/>
+              <a:ea typeface="+mj-ea"/>
+            </a:endParaRPr>
+          </a:p>
+        </p:txBody>
+      </p:sp>
     </p:spTree>
   </p:cSld>
   <p:clrMapOvr>
@@ -26612,6 +27037,41 @@
           </a:prstGeom>
         </p:spPr>
       </p:pic>
+      <p:sp>
+        <p:nvSpPr>
+          <p:cNvPr id="5" name="文本框 4"/>
+          <p:cNvSpPr txBox="1"/>
+          <p:nvPr/>
+        </p:nvSpPr>
+        <p:spPr>
+          <a:xfrm>
+            <a:off x="11433175" y="6311900"/>
+            <a:ext cx="605790" cy="275590"/>
+          </a:xfrm>
+          <a:prstGeom prst="rect">
+            <a:avLst/>
+          </a:prstGeom>
+          <a:noFill/>
+        </p:spPr>
+        <p:txBody>
+          <a:bodyPr wrap="square" rtlCol="0">
+            <a:spAutoFit/>
+          </a:bodyPr>
+          <a:p>
+            <a:r>
+              <a:rPr lang="en-US" altLang="zh-CN" sz="1200">
+                <a:latin typeface="+mj-ea"/>
+                <a:ea typeface="+mj-ea"/>
+              </a:rPr>
+              <a:t>7</a:t>
+            </a:r>
+            <a:endParaRPr lang="en-US" altLang="zh-CN" sz="1200">
+              <a:latin typeface="+mj-ea"/>
+              <a:ea typeface="+mj-ea"/>
+            </a:endParaRPr>
+          </a:p>
+        </p:txBody>
+      </p:sp>
     </p:spTree>
   </p:cSld>
   <p:clrMapOvr>
@@ -26758,6 +27218,41 @@
           </a:fontRef>
         </p:style>
       </p:cxnSp>
+      <p:sp>
+        <p:nvSpPr>
+          <p:cNvPr id="4" name="文本框 3"/>
+          <p:cNvSpPr txBox="1"/>
+          <p:nvPr/>
+        </p:nvSpPr>
+        <p:spPr>
+          <a:xfrm>
+            <a:off x="11433175" y="6311900"/>
+            <a:ext cx="605790" cy="275590"/>
+          </a:xfrm>
+          <a:prstGeom prst="rect">
+            <a:avLst/>
+          </a:prstGeom>
+          <a:noFill/>
+        </p:spPr>
+        <p:txBody>
+          <a:bodyPr wrap="square" rtlCol="0">
+            <a:spAutoFit/>
+          </a:bodyPr>
+          <a:p>
+            <a:r>
+              <a:rPr lang="en-US" altLang="zh-CN" sz="1200">
+                <a:latin typeface="+mj-ea"/>
+                <a:ea typeface="+mj-ea"/>
+              </a:rPr>
+              <a:t>8</a:t>
+            </a:r>
+            <a:endParaRPr lang="en-US" altLang="zh-CN" sz="1200">
+              <a:latin typeface="+mj-ea"/>
+              <a:ea typeface="+mj-ea"/>
+            </a:endParaRPr>
+          </a:p>
+        </p:txBody>
+      </p:sp>
     </p:spTree>
   </p:cSld>
   <p:clrMapOvr>
@@ -28860,6 +29355,41 @@
           </p:txBody>
         </p:sp>
       </p:grpSp>
+      <p:sp>
+        <p:nvSpPr>
+          <p:cNvPr id="2" name="文本框 1"/>
+          <p:cNvSpPr txBox="1"/>
+          <p:nvPr/>
+        </p:nvSpPr>
+        <p:spPr>
+          <a:xfrm>
+            <a:off x="11433175" y="6311900"/>
+            <a:ext cx="605790" cy="275590"/>
+          </a:xfrm>
+          <a:prstGeom prst="rect">
+            <a:avLst/>
+          </a:prstGeom>
+          <a:noFill/>
+        </p:spPr>
+        <p:txBody>
+          <a:bodyPr wrap="square" rtlCol="0">
+            <a:spAutoFit/>
+          </a:bodyPr>
+          <a:p>
+            <a:r>
+              <a:rPr lang="en-US" altLang="zh-CN" sz="1200">
+                <a:latin typeface="+mj-ea"/>
+                <a:ea typeface="+mj-ea"/>
+              </a:rPr>
+              <a:t>9</a:t>
+            </a:r>
+            <a:endParaRPr lang="en-US" altLang="zh-CN" sz="1200">
+              <a:latin typeface="+mj-ea"/>
+              <a:ea typeface="+mj-ea"/>
+            </a:endParaRPr>
+          </a:p>
+        </p:txBody>
+      </p:sp>
     </p:spTree>
   </p:cSld>
   <p:clrMapOvr>
